--- a/aufbau.pptx
+++ b/aufbau.pptx
@@ -276,11 +276,26 @@
 <pc:chgInfo xmlns:a="http://schemas.openxmlformats.org/drawingml/2006/main" xmlns:r="http://schemas.openxmlformats.org/officeDocument/2006/relationships" xmlns:ac="http://schemas.microsoft.com/office/drawing/2013/main/command" xmlns:pc="http://schemas.microsoft.com/office/powerpoint/2013/main/command">
   <pc:docChgLst>
     <pc:chgData name="Lukas Kutsch" userId="fd3767717d2e6966" providerId="LiveId" clId="{846D8D17-59F1-4870-A620-1C4AAC60DA56}"/>
-    <pc:docChg chg="modSld">
-      <pc:chgData name="Lukas Kutsch" userId="fd3767717d2e6966" providerId="LiveId" clId="{846D8D17-59F1-4870-A620-1C4AAC60DA56}" dt="2022-03-29T16:02:37.339" v="1" actId="1076"/>
+    <pc:docChg chg="custSel modSld">
+      <pc:chgData name="Lukas Kutsch" userId="fd3767717d2e6966" providerId="LiveId" clId="{846D8D17-59F1-4870-A620-1C4AAC60DA56}" dt="2022-03-30T00:23:30.001" v="5" actId="27636"/>
       <pc:docMkLst>
         <pc:docMk/>
       </pc:docMkLst>
+      <pc:sldChg chg="modSp mod">
+        <pc:chgData name="Lukas Kutsch" userId="fd3767717d2e6966" providerId="LiveId" clId="{846D8D17-59F1-4870-A620-1C4AAC60DA56}" dt="2022-03-30T00:23:30.001" v="5" actId="27636"/>
+        <pc:sldMkLst>
+          <pc:docMk/>
+          <pc:sldMk cId="0" sldId="257"/>
+        </pc:sldMkLst>
+        <pc:spChg chg="mod">
+          <ac:chgData name="Lukas Kutsch" userId="fd3767717d2e6966" providerId="LiveId" clId="{846D8D17-59F1-4870-A620-1C4AAC60DA56}" dt="2022-03-30T00:23:30.001" v="5" actId="27636"/>
+          <ac:spMkLst>
+            <pc:docMk/>
+            <pc:sldMk cId="0" sldId="257"/>
+            <ac:spMk id="61" creationId="{00000000-0000-0000-0000-000000000000}"/>
+          </ac:spMkLst>
+        </pc:spChg>
+      </pc:sldChg>
       <pc:sldChg chg="modSp mod">
         <pc:chgData name="Lukas Kutsch" userId="fd3767717d2e6966" providerId="LiveId" clId="{846D8D17-59F1-4870-A620-1C4AAC60DA56}" dt="2022-03-29T16:02:37.339" v="1" actId="1076"/>
         <pc:sldMkLst>
@@ -9658,7 +9673,31 @@
                 <a:cs typeface="Calibri"/>
                 <a:sym typeface="Calibri"/>
               </a:rPr>
-              <a:t> Sie auf WEITER, um </a:t>
+              <a:t> Sie </a:t>
+            </a:r>
+            <a:r>
+              <a:rPr lang="en-GB">
+                <a:solidFill>
+                  <a:schemeClr val="dk1"/>
+                </a:solidFill>
+                <a:latin typeface="Calibri"/>
+                <a:ea typeface="Calibri"/>
+                <a:cs typeface="Calibri"/>
+                <a:sym typeface="Calibri"/>
+              </a:rPr>
+              <a:t>auf WEITER, </a:t>
+            </a:r>
+            <a:r>
+              <a:rPr lang="en-GB" dirty="0">
+                <a:solidFill>
+                  <a:schemeClr val="dk1"/>
+                </a:solidFill>
+                <a:latin typeface="Calibri"/>
+                <a:ea typeface="Calibri"/>
+                <a:cs typeface="Calibri"/>
+                <a:sym typeface="Calibri"/>
+              </a:rPr>
+              <a:t>um </a:t>
             </a:r>
             <a:r>
               <a:rPr lang="en-GB" dirty="0" err="1">
